--- a/Presentazione standard1.pptx
+++ b/Presentazione standard1.pptx
@@ -104,6 +104,11 @@
       </a:defRPr>
     </a:lvl9pPr>
   </p:defaultTextStyle>
+  <p:extLst>
+    <p:ext uri="{EFAFB233-063F-42B5-8137-9DF3F51BA10A}">
+      <p15:sldGuideLst xmlns:p15="http://schemas.microsoft.com/office/powerpoint/2012/main"/>
+    </p:ext>
+  </p:extLst>
 </p:presentation>
 </file>
 
@@ -238,7 +243,7 @@
           <a:p>
             <a:fld id="{DF959B1B-216D-4039-8BA4-83FBA12AD966}" type="datetimeFigureOut">
               <a:rPr lang="it-IT" smtClean="0"/>
-              <a:t>27/07/2018</a:t>
+              <a:t>28/07/2018</a:t>
             </a:fld>
             <a:endParaRPr lang="it-IT"/>
           </a:p>
@@ -408,7 +413,7 @@
           <a:p>
             <a:fld id="{DF959B1B-216D-4039-8BA4-83FBA12AD966}" type="datetimeFigureOut">
               <a:rPr lang="it-IT" smtClean="0"/>
-              <a:t>27/07/2018</a:t>
+              <a:t>28/07/2018</a:t>
             </a:fld>
             <a:endParaRPr lang="it-IT"/>
           </a:p>
@@ -588,7 +593,7 @@
           <a:p>
             <a:fld id="{DF959B1B-216D-4039-8BA4-83FBA12AD966}" type="datetimeFigureOut">
               <a:rPr lang="it-IT" smtClean="0"/>
-              <a:t>27/07/2018</a:t>
+              <a:t>28/07/2018</a:t>
             </a:fld>
             <a:endParaRPr lang="it-IT"/>
           </a:p>
@@ -758,7 +763,7 @@
           <a:p>
             <a:fld id="{DF959B1B-216D-4039-8BA4-83FBA12AD966}" type="datetimeFigureOut">
               <a:rPr lang="it-IT" smtClean="0"/>
-              <a:t>27/07/2018</a:t>
+              <a:t>28/07/2018</a:t>
             </a:fld>
             <a:endParaRPr lang="it-IT"/>
           </a:p>
@@ -1004,7 +1009,7 @@
           <a:p>
             <a:fld id="{DF959B1B-216D-4039-8BA4-83FBA12AD966}" type="datetimeFigureOut">
               <a:rPr lang="it-IT" smtClean="0"/>
-              <a:t>27/07/2018</a:t>
+              <a:t>28/07/2018</a:t>
             </a:fld>
             <a:endParaRPr lang="it-IT"/>
           </a:p>
@@ -1236,7 +1241,7 @@
           <a:p>
             <a:fld id="{DF959B1B-216D-4039-8BA4-83FBA12AD966}" type="datetimeFigureOut">
               <a:rPr lang="it-IT" smtClean="0"/>
-              <a:t>27/07/2018</a:t>
+              <a:t>28/07/2018</a:t>
             </a:fld>
             <a:endParaRPr lang="it-IT"/>
           </a:p>
@@ -1603,7 +1608,7 @@
           <a:p>
             <a:fld id="{DF959B1B-216D-4039-8BA4-83FBA12AD966}" type="datetimeFigureOut">
               <a:rPr lang="it-IT" smtClean="0"/>
-              <a:t>27/07/2018</a:t>
+              <a:t>28/07/2018</a:t>
             </a:fld>
             <a:endParaRPr lang="it-IT"/>
           </a:p>
@@ -1721,7 +1726,7 @@
           <a:p>
             <a:fld id="{DF959B1B-216D-4039-8BA4-83FBA12AD966}" type="datetimeFigureOut">
               <a:rPr lang="it-IT" smtClean="0"/>
-              <a:t>27/07/2018</a:t>
+              <a:t>28/07/2018</a:t>
             </a:fld>
             <a:endParaRPr lang="it-IT"/>
           </a:p>
@@ -1816,7 +1821,7 @@
           <a:p>
             <a:fld id="{DF959B1B-216D-4039-8BA4-83FBA12AD966}" type="datetimeFigureOut">
               <a:rPr lang="it-IT" smtClean="0"/>
-              <a:t>27/07/2018</a:t>
+              <a:t>28/07/2018</a:t>
             </a:fld>
             <a:endParaRPr lang="it-IT"/>
           </a:p>
@@ -2093,7 +2098,7 @@
           <a:p>
             <a:fld id="{DF959B1B-216D-4039-8BA4-83FBA12AD966}" type="datetimeFigureOut">
               <a:rPr lang="it-IT" smtClean="0"/>
-              <a:t>27/07/2018</a:t>
+              <a:t>28/07/2018</a:t>
             </a:fld>
             <a:endParaRPr lang="it-IT"/>
           </a:p>
@@ -2350,7 +2355,7 @@
           <a:p>
             <a:fld id="{DF959B1B-216D-4039-8BA4-83FBA12AD966}" type="datetimeFigureOut">
               <a:rPr lang="it-IT" smtClean="0"/>
-              <a:t>27/07/2018</a:t>
+              <a:t>28/07/2018</a:t>
             </a:fld>
             <a:endParaRPr lang="it-IT"/>
           </a:p>
@@ -2563,7 +2568,7 @@
           <a:p>
             <a:fld id="{DF959B1B-216D-4039-8BA4-83FBA12AD966}" type="datetimeFigureOut">
               <a:rPr lang="it-IT" smtClean="0"/>
-              <a:t>27/07/2018</a:t>
+              <a:t>28/07/2018</a:t>
             </a:fld>
             <a:endParaRPr lang="it-IT"/>
           </a:p>
@@ -4363,32 +4368,38 @@
           </p:cNvPr>
           <p:cNvCxnSpPr>
             <a:cxnSpLocks/>
-            <a:stCxn id="8" idx="2"/>
-            <a:endCxn id="82" idx="1"/>
+            <a:stCxn id="51" idx="2"/>
+            <a:endCxn id="56" idx="3"/>
           </p:cNvCxnSpPr>
           <p:nvPr/>
         </p:nvCxnSpPr>
         <p:spPr>
-          <a:xfrm>
-            <a:off x="4624583" y="3600119"/>
-            <a:ext cx="1300244" cy="945907"/>
+          <a:xfrm flipH="1">
+            <a:off x="2226288" y="4566489"/>
+            <a:ext cx="1528547" cy="246687"/>
           </a:xfrm>
           <a:prstGeom prst="straightConnector1">
             <a:avLst/>
           </a:prstGeom>
-          <a:ln>
-            <a:tailEnd type="triangle"/>
+          <a:ln w="9525" cap="flat" cmpd="sng" algn="ctr">
+            <a:solidFill>
+              <a:schemeClr val="accent1"/>
+            </a:solidFill>
+            <a:prstDash val="solid"/>
+            <a:round/>
+            <a:headEnd type="none" w="med" len="med"/>
+            <a:tailEnd type="arrow" w="med" len="med"/>
           </a:ln>
         </p:spPr>
         <p:style>
-          <a:lnRef idx="1">
-            <a:schemeClr val="accent2"/>
+          <a:lnRef idx="0">
+            <a:scrgbClr r="0" g="0" b="0"/>
           </a:lnRef>
           <a:fillRef idx="0">
-            <a:schemeClr val="accent2"/>
+            <a:scrgbClr r="0" g="0" b="0"/>
           </a:fillRef>
           <a:effectRef idx="0">
-            <a:schemeClr val="accent2"/>
+            <a:scrgbClr r="0" g="0" b="0"/>
           </a:effectRef>
           <a:fontRef idx="minor">
             <a:schemeClr val="tx1"/>
@@ -5129,10 +5140,10 @@
       </p:sp>
       <p:sp>
         <p:nvSpPr>
-          <p:cNvPr id="197" name="Figura a mano libera: forma 196">
+          <p:cNvPr id="51" name="Rettangolo 50">
             <a:extLst>
               <a:ext uri="{FF2B5EF4-FFF2-40B4-BE49-F238E27FC236}">
-                <a16:creationId xmlns:a16="http://schemas.microsoft.com/office/drawing/2014/main" id="{F33669D1-491D-4C13-BEA8-46997C288C8A}"/>
+                <a16:creationId xmlns:a16="http://schemas.microsoft.com/office/drawing/2014/main" id="{98C33837-D52F-4B3B-9DBF-8C5427E43B22}"/>
               </a:ext>
             </a:extLst>
           </p:cNvPr>
@@ -5141,18 +5152,346 @@
         </p:nvSpPr>
         <p:spPr>
           <a:xfrm>
-            <a:off x="623889" y="2843416"/>
-            <a:ext cx="3130946" cy="1188920"/>
+            <a:off x="3126271" y="4139198"/>
+            <a:ext cx="1257127" cy="427291"/>
+          </a:xfrm>
+          <a:prstGeom prst="rect">
+            <a:avLst/>
+          </a:prstGeom>
+        </p:spPr>
+        <p:style>
+          <a:lnRef idx="2">
+            <a:schemeClr val="accent1">
+              <a:shade val="50000"/>
+            </a:schemeClr>
+          </a:lnRef>
+          <a:fillRef idx="1">
+            <a:schemeClr val="accent1"/>
+          </a:fillRef>
+          <a:effectRef idx="0">
+            <a:schemeClr val="accent1"/>
+          </a:effectRef>
+          <a:fontRef idx="minor">
+            <a:schemeClr val="lt1"/>
+          </a:fontRef>
+        </p:style>
+        <p:txBody>
+          <a:bodyPr rot="0" spcFirstLastPara="0" vertOverflow="overflow" horzOverflow="overflow" vert="horz" wrap="square" lIns="68581" tIns="34290" rIns="68581" bIns="34290" numCol="1" spcCol="0" rtlCol="0" fromWordArt="0" anchor="ctr" anchorCtr="0" forceAA="0" compatLnSpc="1">
+            <a:prstTxWarp prst="textNoShape">
+              <a:avLst/>
+            </a:prstTxWarp>
+            <a:noAutofit/>
+          </a:bodyPr>
+          <a:lstStyle/>
+          <a:p>
+            <a:pPr algn="ctr"/>
+            <a:r>
+              <a:rPr lang="it-IT" sz="1000" dirty="0"/>
+              <a:t>MODIFICA PROFILO VIEW</a:t>
+            </a:r>
+          </a:p>
+        </p:txBody>
+      </p:sp>
+      <p:sp>
+        <p:nvSpPr>
+          <p:cNvPr id="56" name="Rettangolo 55">
+            <a:extLst>
+              <a:ext uri="{FF2B5EF4-FFF2-40B4-BE49-F238E27FC236}">
+                <a16:creationId xmlns:a16="http://schemas.microsoft.com/office/drawing/2014/main" id="{A71B3F9C-A9B4-4E3D-B139-4ECF09AB1FDD}"/>
+              </a:ext>
+            </a:extLst>
+          </p:cNvPr>
+          <p:cNvSpPr/>
+          <p:nvPr/>
+        </p:nvSpPr>
+        <p:spPr>
+          <a:xfrm>
+            <a:off x="979495" y="4599530"/>
+            <a:ext cx="1246793" cy="427292"/>
+          </a:xfrm>
+          <a:prstGeom prst="rect">
+            <a:avLst/>
+          </a:prstGeom>
+        </p:spPr>
+        <p:style>
+          <a:lnRef idx="2">
+            <a:schemeClr val="accent2">
+              <a:shade val="50000"/>
+            </a:schemeClr>
+          </a:lnRef>
+          <a:fillRef idx="1">
+            <a:schemeClr val="accent2"/>
+          </a:fillRef>
+          <a:effectRef idx="0">
+            <a:schemeClr val="accent2"/>
+          </a:effectRef>
+          <a:fontRef idx="minor">
+            <a:schemeClr val="lt1"/>
+          </a:fontRef>
+        </p:style>
+        <p:txBody>
+          <a:bodyPr rot="0" spcFirstLastPara="0" vertOverflow="overflow" horzOverflow="overflow" vert="horz" wrap="square" lIns="68581" tIns="34290" rIns="68581" bIns="34290" numCol="1" spcCol="0" rtlCol="0" fromWordArt="0" anchor="ctr" anchorCtr="0" forceAA="0" compatLnSpc="1">
+            <a:prstTxWarp prst="textNoShape">
+              <a:avLst/>
+            </a:prstTxWarp>
+            <a:noAutofit/>
+          </a:bodyPr>
+          <a:lstStyle/>
+          <a:p>
+            <a:pPr algn="ctr"/>
+            <a:r>
+              <a:rPr lang="it-IT" sz="1000" dirty="0"/>
+              <a:t>MODIFICA PROFILO CONTROLLER</a:t>
+            </a:r>
+          </a:p>
+        </p:txBody>
+      </p:sp>
+      <p:cxnSp>
+        <p:nvCxnSpPr>
+          <p:cNvPr id="17" name="Connettore 2 16">
+            <a:extLst>
+              <a:ext uri="{FF2B5EF4-FFF2-40B4-BE49-F238E27FC236}">
+                <a16:creationId xmlns:a16="http://schemas.microsoft.com/office/drawing/2014/main" id="{4FDF302F-58B0-426F-9ED1-B2CEEA9B2760}"/>
+              </a:ext>
+            </a:extLst>
+          </p:cNvPr>
+          <p:cNvCxnSpPr>
+            <a:cxnSpLocks/>
+            <a:stCxn id="8" idx="2"/>
+          </p:cNvCxnSpPr>
+          <p:nvPr/>
+        </p:nvCxnSpPr>
+        <p:spPr>
+          <a:xfrm flipH="1">
+            <a:off x="4002869" y="3600116"/>
+            <a:ext cx="621714" cy="539082"/>
+          </a:xfrm>
+          <a:prstGeom prst="straightConnector1">
+            <a:avLst/>
+          </a:prstGeom>
+          <a:ln w="9525" cap="flat" cmpd="sng" algn="ctr">
+            <a:solidFill>
+              <a:schemeClr val="accent2"/>
+            </a:solidFill>
+            <a:prstDash val="solid"/>
+            <a:round/>
+            <a:headEnd type="none" w="med" len="med"/>
+            <a:tailEnd type="arrow" w="med" len="med"/>
+          </a:ln>
+        </p:spPr>
+        <p:style>
+          <a:lnRef idx="0">
+            <a:scrgbClr r="0" g="0" b="0"/>
+          </a:lnRef>
+          <a:fillRef idx="0">
+            <a:scrgbClr r="0" g="0" b="0"/>
+          </a:fillRef>
+          <a:effectRef idx="0">
+            <a:scrgbClr r="0" g="0" b="0"/>
+          </a:effectRef>
+          <a:fontRef idx="minor">
+            <a:schemeClr val="tx1"/>
+          </a:fontRef>
+        </p:style>
+      </p:cxnSp>
+      <p:cxnSp>
+        <p:nvCxnSpPr>
+          <p:cNvPr id="23" name="Connettore curvo 22">
+            <a:extLst>
+              <a:ext uri="{FF2B5EF4-FFF2-40B4-BE49-F238E27FC236}">
+                <a16:creationId xmlns:a16="http://schemas.microsoft.com/office/drawing/2014/main" id="{588A82BB-90A1-46A6-B185-06880AB8C06B}"/>
+              </a:ext>
+            </a:extLst>
+          </p:cNvPr>
+          <p:cNvCxnSpPr>
+            <a:cxnSpLocks/>
+            <a:stCxn id="56" idx="0"/>
+            <a:endCxn id="5" idx="1"/>
+          </p:cNvCxnSpPr>
+          <p:nvPr/>
+        </p:nvCxnSpPr>
+        <p:spPr>
+          <a:xfrm rot="5400000" flipH="1" flipV="1">
+            <a:off x="1298917" y="3667415"/>
+            <a:ext cx="1236090" cy="628141"/>
+          </a:xfrm>
+          <a:prstGeom prst="curvedConnector2">
+            <a:avLst/>
+          </a:prstGeom>
+          <a:ln>
+            <a:tailEnd type="triangle"/>
+          </a:ln>
+        </p:spPr>
+        <p:style>
+          <a:lnRef idx="1">
+            <a:schemeClr val="accent2"/>
+          </a:lnRef>
+          <a:fillRef idx="0">
+            <a:schemeClr val="accent2"/>
+          </a:fillRef>
+          <a:effectRef idx="0">
+            <a:schemeClr val="accent2"/>
+          </a:effectRef>
+          <a:fontRef idx="minor">
+            <a:schemeClr val="tx1"/>
+          </a:fontRef>
+        </p:style>
+      </p:cxnSp>
+      <p:cxnSp>
+        <p:nvCxnSpPr>
+          <p:cNvPr id="26" name="Connettore curvo 25">
+            <a:extLst>
+              <a:ext uri="{FF2B5EF4-FFF2-40B4-BE49-F238E27FC236}">
+                <a16:creationId xmlns:a16="http://schemas.microsoft.com/office/drawing/2014/main" id="{3F3F2E22-1250-4038-AC2B-AFB6E96B68A3}"/>
+              </a:ext>
+            </a:extLst>
+          </p:cNvPr>
+          <p:cNvCxnSpPr>
+            <a:cxnSpLocks/>
+            <a:stCxn id="56" idx="0"/>
+            <a:endCxn id="6" idx="1"/>
+          </p:cNvCxnSpPr>
+          <p:nvPr/>
+        </p:nvCxnSpPr>
+        <p:spPr>
+          <a:xfrm rot="5400000" flipH="1" flipV="1">
+            <a:off x="920769" y="3289267"/>
+            <a:ext cx="1992386" cy="628140"/>
+          </a:xfrm>
+          <a:prstGeom prst="curvedConnector2">
+            <a:avLst/>
+          </a:prstGeom>
+          <a:ln>
+            <a:tailEnd type="triangle"/>
+          </a:ln>
+        </p:spPr>
+        <p:style>
+          <a:lnRef idx="1">
+            <a:schemeClr val="accent2"/>
+          </a:lnRef>
+          <a:fillRef idx="0">
+            <a:schemeClr val="accent2"/>
+          </a:fillRef>
+          <a:effectRef idx="0">
+            <a:schemeClr val="accent2"/>
+          </a:effectRef>
+          <a:fontRef idx="minor">
+            <a:schemeClr val="tx1"/>
+          </a:fontRef>
+        </p:style>
+      </p:cxnSp>
+      <p:cxnSp>
+        <p:nvCxnSpPr>
+          <p:cNvPr id="37" name="Connettore curvo 36">
+            <a:extLst>
+              <a:ext uri="{FF2B5EF4-FFF2-40B4-BE49-F238E27FC236}">
+                <a16:creationId xmlns:a16="http://schemas.microsoft.com/office/drawing/2014/main" id="{774379F4-D8FC-4C8E-A634-6D168A8687D7}"/>
+              </a:ext>
+            </a:extLst>
+          </p:cNvPr>
+          <p:cNvCxnSpPr>
+            <a:cxnSpLocks/>
+            <a:stCxn id="56" idx="0"/>
+            <a:endCxn id="4" idx="1"/>
+          </p:cNvCxnSpPr>
+          <p:nvPr/>
+        </p:nvCxnSpPr>
+        <p:spPr>
+          <a:xfrm rot="5400000" flipH="1" flipV="1">
+            <a:off x="537976" y="2906474"/>
+            <a:ext cx="2757973" cy="628141"/>
+          </a:xfrm>
+          <a:prstGeom prst="curvedConnector2">
+            <a:avLst/>
+          </a:prstGeom>
+          <a:ln>
+            <a:tailEnd type="triangle"/>
+          </a:ln>
+        </p:spPr>
+        <p:style>
+          <a:lnRef idx="1">
+            <a:schemeClr val="accent2"/>
+          </a:lnRef>
+          <a:fillRef idx="0">
+            <a:schemeClr val="accent2"/>
+          </a:fillRef>
+          <a:effectRef idx="0">
+            <a:schemeClr val="accent2"/>
+          </a:effectRef>
+          <a:fontRef idx="minor">
+            <a:schemeClr val="tx1"/>
+          </a:fontRef>
+        </p:style>
+      </p:cxnSp>
+      <p:cxnSp>
+        <p:nvCxnSpPr>
+          <p:cNvPr id="40" name="Connettore 2 39">
+            <a:extLst>
+              <a:ext uri="{FF2B5EF4-FFF2-40B4-BE49-F238E27FC236}">
+                <a16:creationId xmlns:a16="http://schemas.microsoft.com/office/drawing/2014/main" id="{6D218735-FF3E-4719-ABD2-80BA8B2BCF2A}"/>
+              </a:ext>
+            </a:extLst>
+          </p:cNvPr>
+          <p:cNvCxnSpPr>
+            <a:cxnSpLocks/>
+            <a:stCxn id="8" idx="2"/>
+            <a:endCxn id="82" idx="1"/>
+          </p:cNvCxnSpPr>
+          <p:nvPr/>
+        </p:nvCxnSpPr>
+        <p:spPr>
+          <a:xfrm>
+            <a:off x="4624583" y="3600116"/>
+            <a:ext cx="1300245" cy="945910"/>
+          </a:xfrm>
+          <a:prstGeom prst="straightConnector1">
+            <a:avLst/>
+          </a:prstGeom>
+          <a:ln>
+            <a:tailEnd type="triangle"/>
+          </a:ln>
+        </p:spPr>
+        <p:style>
+          <a:lnRef idx="1">
+            <a:schemeClr val="accent2"/>
+          </a:lnRef>
+          <a:fillRef idx="0">
+            <a:schemeClr val="accent2"/>
+          </a:fillRef>
+          <a:effectRef idx="0">
+            <a:schemeClr val="accent2"/>
+          </a:effectRef>
+          <a:fontRef idx="minor">
+            <a:schemeClr val="tx1"/>
+          </a:fontRef>
+        </p:style>
+      </p:cxnSp>
+      <p:sp>
+        <p:nvSpPr>
+          <p:cNvPr id="3" name="Figura a mano libera: forma 2">
+            <a:extLst>
+              <a:ext uri="{FF2B5EF4-FFF2-40B4-BE49-F238E27FC236}">
+                <a16:creationId xmlns:a16="http://schemas.microsoft.com/office/drawing/2014/main" id="{D015081D-4C92-4110-A293-720BD4EE427D}"/>
+              </a:ext>
+            </a:extLst>
+          </p:cNvPr>
+          <p:cNvSpPr/>
+          <p:nvPr/>
+        </p:nvSpPr>
+        <p:spPr>
+          <a:xfrm>
+            <a:off x="754380" y="2880360"/>
+            <a:ext cx="3108960" cy="1180449"/>
           </a:xfrm>
           <a:custGeom>
             <a:avLst/>
             <a:gdLst>
-              <a:gd name="connsiteX0" fmla="*/ 3295650 w 3295650"/>
-              <a:gd name="connsiteY0" fmla="*/ 657225 h 1305463"/>
-              <a:gd name="connsiteX1" fmla="*/ 1295400 w 3295650"/>
-              <a:gd name="connsiteY1" fmla="*/ 1285875 h 1305463"/>
-              <a:gd name="connsiteX2" fmla="*/ 0 w 3295650"/>
-              <a:gd name="connsiteY2" fmla="*/ 0 h 1305463"/>
+              <a:gd name="connsiteX0" fmla="*/ 3108960 w 3108960"/>
+              <a:gd name="connsiteY0" fmla="*/ 548640 h 1180449"/>
+              <a:gd name="connsiteX1" fmla="*/ 1668780 w 3108960"/>
+              <a:gd name="connsiteY1" fmla="*/ 1165860 h 1180449"/>
+              <a:gd name="connsiteX2" fmla="*/ 0 w 3108960"/>
+              <a:gd name="connsiteY2" fmla="*/ 0 h 1180449"/>
             </a:gdLst>
             <a:ahLst/>
             <a:cxnLst>
@@ -5168,18 +5507,18 @@
             </a:cxnLst>
             <a:rect l="l" t="t" r="r" b="b"/>
             <a:pathLst>
-              <a:path w="3295650" h="1305463">
+              <a:path w="3108960" h="1180449">
                 <a:moveTo>
-                  <a:pt x="3295650" y="657225"/>
+                  <a:pt x="3108960" y="548640"/>
                 </a:moveTo>
                 <a:cubicBezTo>
-                  <a:pt x="2570162" y="1026319"/>
-                  <a:pt x="1844675" y="1395413"/>
-                  <a:pt x="1295400" y="1285875"/>
+                  <a:pt x="2647950" y="902970"/>
+                  <a:pt x="2186940" y="1257300"/>
+                  <a:pt x="1668780" y="1165860"/>
                 </a:cubicBezTo>
                 <a:cubicBezTo>
-                  <a:pt x="746125" y="1176337"/>
-                  <a:pt x="184150" y="165100"/>
+                  <a:pt x="1150620" y="1074420"/>
+                  <a:pt x="161925" y="127635"/>
                   <a:pt x="0" y="0"/>
                 </a:cubicBezTo>
               </a:path>
@@ -5187,7 +5526,7 @@
           </a:custGeom>
           <a:ln w="9525" cap="flat" cmpd="sng" algn="ctr">
             <a:solidFill>
-              <a:schemeClr val="accent2"/>
+              <a:srgbClr val="FF0000"/>
             </a:solidFill>
             <a:prstDash val="solid"/>
             <a:round/>
@@ -5210,308 +5549,7 @@
           </a:fontRef>
         </p:style>
         <p:txBody>
-          <a:bodyPr rot="0" spcFirstLastPara="0" vertOverflow="overflow" horzOverflow="overflow" vert="horz" wrap="square" lIns="91440" tIns="45720" rIns="91440" bIns="45720" numCol="1" spcCol="0" rtlCol="0" fromWordArt="0" anchor="ctr" anchorCtr="0" forceAA="0" compatLnSpc="1">
-            <a:prstTxWarp prst="textNoShape">
-              <a:avLst/>
-            </a:prstTxWarp>
-            <a:noAutofit/>
-          </a:bodyPr>
-          <a:lstStyle/>
-          <a:p>
-            <a:pPr algn="ctr"/>
-            <a:endParaRPr lang="it-IT"/>
-          </a:p>
-        </p:txBody>
-      </p:sp>
-      <p:sp>
-        <p:nvSpPr>
-          <p:cNvPr id="219" name="Figura a mano libera: forma 218">
-            <a:extLst>
-              <a:ext uri="{FF2B5EF4-FFF2-40B4-BE49-F238E27FC236}">
-                <a16:creationId xmlns:a16="http://schemas.microsoft.com/office/drawing/2014/main" id="{A2C18AE3-DA4A-42C6-8B74-401919278CA5}"/>
-              </a:ext>
-            </a:extLst>
-          </p:cNvPr>
-          <p:cNvSpPr/>
-          <p:nvPr/>
-        </p:nvSpPr>
-        <p:spPr>
-          <a:xfrm>
-            <a:off x="4471990" y="124335"/>
-            <a:ext cx="5954967" cy="1343983"/>
-          </a:xfrm>
-          <a:custGeom>
-            <a:avLst/>
-            <a:gdLst>
-              <a:gd name="connsiteX0" fmla="*/ 6343650 w 6343650"/>
-              <a:gd name="connsiteY0" fmla="*/ 587288 h 1320713"/>
-              <a:gd name="connsiteX1" fmla="*/ 1800225 w 6343650"/>
-              <a:gd name="connsiteY1" fmla="*/ 25313 h 1320713"/>
-              <a:gd name="connsiteX2" fmla="*/ 0 w 6343650"/>
-              <a:gd name="connsiteY2" fmla="*/ 1320713 h 1320713"/>
-            </a:gdLst>
-            <a:ahLst/>
-            <a:cxnLst>
-              <a:cxn ang="0">
-                <a:pos x="connsiteX0" y="connsiteY0"/>
-              </a:cxn>
-              <a:cxn ang="0">
-                <a:pos x="connsiteX1" y="connsiteY1"/>
-              </a:cxn>
-              <a:cxn ang="0">
-                <a:pos x="connsiteX2" y="connsiteY2"/>
-              </a:cxn>
-            </a:cxnLst>
-            <a:rect l="l" t="t" r="r" b="b"/>
-            <a:pathLst>
-              <a:path w="6343650" h="1320713">
-                <a:moveTo>
-                  <a:pt x="6343650" y="587288"/>
-                </a:moveTo>
-                <a:cubicBezTo>
-                  <a:pt x="4600575" y="245182"/>
-                  <a:pt x="2857500" y="-96924"/>
-                  <a:pt x="1800225" y="25313"/>
-                </a:cubicBezTo>
-                <a:cubicBezTo>
-                  <a:pt x="742950" y="147550"/>
-                  <a:pt x="273050" y="1084176"/>
-                  <a:pt x="0" y="1320713"/>
-                </a:cubicBezTo>
-              </a:path>
-            </a:pathLst>
-          </a:custGeom>
-          <a:ln>
-            <a:solidFill>
-              <a:schemeClr val="accent1"/>
-            </a:solidFill>
-            <a:headEnd type="none" w="med" len="med"/>
-            <a:tailEnd type="arrow" w="med" len="med"/>
-          </a:ln>
-        </p:spPr>
-        <p:style>
-          <a:lnRef idx="2">
-            <a:schemeClr val="accent2"/>
-          </a:lnRef>
-          <a:fillRef idx="0">
-            <a:schemeClr val="accent2"/>
-          </a:fillRef>
-          <a:effectRef idx="1">
-            <a:schemeClr val="accent2"/>
-          </a:effectRef>
-          <a:fontRef idx="minor">
-            <a:schemeClr val="tx1"/>
-          </a:fontRef>
-        </p:style>
-        <p:txBody>
-          <a:bodyPr rot="0" spcFirstLastPara="0" vertOverflow="overflow" horzOverflow="overflow" vert="horz" wrap="square" lIns="91440" tIns="45720" rIns="91440" bIns="45720" numCol="1" spcCol="0" rtlCol="0" fromWordArt="0" anchor="ctr" anchorCtr="0" forceAA="0" compatLnSpc="1">
-            <a:prstTxWarp prst="textNoShape">
-              <a:avLst/>
-            </a:prstTxWarp>
-            <a:noAutofit/>
-          </a:bodyPr>
-          <a:lstStyle/>
-          <a:p>
-            <a:pPr algn="ctr"/>
-            <a:endParaRPr lang="it-IT" dirty="0"/>
-          </a:p>
-        </p:txBody>
-      </p:sp>
-      <p:sp>
-        <p:nvSpPr>
-          <p:cNvPr id="222" name="Figura a mano libera: forma 221">
-            <a:extLst>
-              <a:ext uri="{FF2B5EF4-FFF2-40B4-BE49-F238E27FC236}">
-                <a16:creationId xmlns:a16="http://schemas.microsoft.com/office/drawing/2014/main" id="{9E4E4592-51D3-460D-A95E-B540B64B42C3}"/>
-              </a:ext>
-            </a:extLst>
-          </p:cNvPr>
-          <p:cNvSpPr/>
-          <p:nvPr/>
-        </p:nvSpPr>
-        <p:spPr>
-          <a:xfrm>
-            <a:off x="4376270" y="3622677"/>
-            <a:ext cx="6629869" cy="2002029"/>
-          </a:xfrm>
-          <a:custGeom>
-            <a:avLst/>
-            <a:gdLst>
-              <a:gd name="connsiteX0" fmla="*/ 6629869 w 6629869"/>
-              <a:gd name="connsiteY0" fmla="*/ 85725 h 2002029"/>
-              <a:gd name="connsiteX1" fmla="*/ 3467569 w 6629869"/>
-              <a:gd name="connsiteY1" fmla="*/ 1971675 h 2002029"/>
-              <a:gd name="connsiteX2" fmla="*/ 571969 w 6629869"/>
-              <a:gd name="connsiteY2" fmla="*/ 1162050 h 2002029"/>
-              <a:gd name="connsiteX3" fmla="*/ 469 w 6629869"/>
-              <a:gd name="connsiteY3" fmla="*/ 0 h 2002029"/>
-            </a:gdLst>
-            <a:ahLst/>
-            <a:cxnLst>
-              <a:cxn ang="0">
-                <a:pos x="connsiteX0" y="connsiteY0"/>
-              </a:cxn>
-              <a:cxn ang="0">
-                <a:pos x="connsiteX1" y="connsiteY1"/>
-              </a:cxn>
-              <a:cxn ang="0">
-                <a:pos x="connsiteX2" y="connsiteY2"/>
-              </a:cxn>
-              <a:cxn ang="0">
-                <a:pos x="connsiteX3" y="connsiteY3"/>
-              </a:cxn>
-            </a:cxnLst>
-            <a:rect l="l" t="t" r="r" b="b"/>
-            <a:pathLst>
-              <a:path w="6629869" h="2002029">
-                <a:moveTo>
-                  <a:pt x="6629869" y="85725"/>
-                </a:moveTo>
-                <a:cubicBezTo>
-                  <a:pt x="5553544" y="939006"/>
-                  <a:pt x="4477219" y="1792288"/>
-                  <a:pt x="3467569" y="1971675"/>
-                </a:cubicBezTo>
-                <a:cubicBezTo>
-                  <a:pt x="2457919" y="2151062"/>
-                  <a:pt x="1149819" y="1490662"/>
-                  <a:pt x="571969" y="1162050"/>
-                </a:cubicBezTo>
-                <a:cubicBezTo>
-                  <a:pt x="-5881" y="833438"/>
-                  <a:pt x="-2706" y="416719"/>
-                  <a:pt x="469" y="0"/>
-                </a:cubicBezTo>
-              </a:path>
-            </a:pathLst>
-          </a:custGeom>
-          <a:ln w="9525" cap="flat" cmpd="sng" algn="ctr">
-            <a:solidFill>
-              <a:schemeClr val="accent1"/>
-            </a:solidFill>
-            <a:prstDash val="solid"/>
-            <a:round/>
-            <a:headEnd type="none" w="med" len="med"/>
-            <a:tailEnd type="arrow" w="med" len="med"/>
-          </a:ln>
-        </p:spPr>
-        <p:style>
-          <a:lnRef idx="0">
-            <a:scrgbClr r="0" g="0" b="0"/>
-          </a:lnRef>
-          <a:fillRef idx="0">
-            <a:scrgbClr r="0" g="0" b="0"/>
-          </a:fillRef>
-          <a:effectRef idx="0">
-            <a:scrgbClr r="0" g="0" b="0"/>
-          </a:effectRef>
-          <a:fontRef idx="minor">
-            <a:schemeClr val="tx1"/>
-          </a:fontRef>
-        </p:style>
-        <p:txBody>
-          <a:bodyPr rot="0" spcFirstLastPara="0" vertOverflow="overflow" horzOverflow="overflow" vert="horz" wrap="square" lIns="91440" tIns="45720" rIns="91440" bIns="45720" numCol="1" spcCol="0" rtlCol="0" fromWordArt="0" anchor="ctr" anchorCtr="0" forceAA="0" compatLnSpc="1">
-            <a:prstTxWarp prst="textNoShape">
-              <a:avLst/>
-            </a:prstTxWarp>
-            <a:noAutofit/>
-          </a:bodyPr>
-          <a:lstStyle/>
-          <a:p>
-            <a:pPr algn="ctr"/>
-            <a:endParaRPr lang="it-IT"/>
-          </a:p>
-        </p:txBody>
-      </p:sp>
-      <p:sp>
-        <p:nvSpPr>
-          <p:cNvPr id="225" name="Figura a mano libera: forma 224">
-            <a:extLst>
-              <a:ext uri="{FF2B5EF4-FFF2-40B4-BE49-F238E27FC236}">
-                <a16:creationId xmlns:a16="http://schemas.microsoft.com/office/drawing/2014/main" id="{91B91056-9135-431D-953F-5A4A79D78339}"/>
-              </a:ext>
-            </a:extLst>
-          </p:cNvPr>
-          <p:cNvSpPr/>
-          <p:nvPr/>
-        </p:nvSpPr>
-        <p:spPr>
-          <a:xfrm>
-            <a:off x="5545062" y="1384278"/>
-            <a:ext cx="5175327" cy="619149"/>
-          </a:xfrm>
-          <a:custGeom>
-            <a:avLst/>
-            <a:gdLst>
-              <a:gd name="connsiteX0" fmla="*/ 5095875 w 5095875"/>
-              <a:gd name="connsiteY0" fmla="*/ 600099 h 619149"/>
-              <a:gd name="connsiteX1" fmla="*/ 2514600 w 5095875"/>
-              <a:gd name="connsiteY1" fmla="*/ 24 h 619149"/>
-              <a:gd name="connsiteX2" fmla="*/ 0 w 5095875"/>
-              <a:gd name="connsiteY2" fmla="*/ 619149 h 619149"/>
-            </a:gdLst>
-            <a:ahLst/>
-            <a:cxnLst>
-              <a:cxn ang="0">
-                <a:pos x="connsiteX0" y="connsiteY0"/>
-              </a:cxn>
-              <a:cxn ang="0">
-                <a:pos x="connsiteX1" y="connsiteY1"/>
-              </a:cxn>
-              <a:cxn ang="0">
-                <a:pos x="connsiteX2" y="connsiteY2"/>
-              </a:cxn>
-            </a:cxnLst>
-            <a:rect l="l" t="t" r="r" b="b"/>
-            <a:pathLst>
-              <a:path w="5095875" h="619149">
-                <a:moveTo>
-                  <a:pt x="5095875" y="600099"/>
-                </a:moveTo>
-                <a:cubicBezTo>
-                  <a:pt x="4229893" y="298474"/>
-                  <a:pt x="3363912" y="-3151"/>
-                  <a:pt x="2514600" y="24"/>
-                </a:cubicBezTo>
-                <a:cubicBezTo>
-                  <a:pt x="1665288" y="3199"/>
-                  <a:pt x="366712" y="528662"/>
-                  <a:pt x="0" y="619149"/>
-                </a:cubicBezTo>
-              </a:path>
-            </a:pathLst>
-          </a:custGeom>
-          <a:ln w="9525" cap="flat" cmpd="sng" algn="ctr">
-            <a:solidFill>
-              <a:schemeClr val="accent1"/>
-            </a:solidFill>
-            <a:prstDash val="solid"/>
-            <a:round/>
-            <a:headEnd type="none" w="med" len="med"/>
-            <a:tailEnd type="arrow" w="med" len="med"/>
-          </a:ln>
-        </p:spPr>
-        <p:style>
-          <a:lnRef idx="0">
-            <a:scrgbClr r="0" g="0" b="0"/>
-          </a:lnRef>
-          <a:fillRef idx="0">
-            <a:scrgbClr r="0" g="0" b="0"/>
-          </a:fillRef>
-          <a:effectRef idx="0">
-            <a:scrgbClr r="0" g="0" b="0"/>
-          </a:effectRef>
-          <a:fontRef idx="minor">
-            <a:schemeClr val="tx1"/>
-          </a:fontRef>
-        </p:style>
-        <p:txBody>
-          <a:bodyPr rot="0" spcFirstLastPara="0" vertOverflow="overflow" horzOverflow="overflow" vert="horz" wrap="square" lIns="91440" tIns="45720" rIns="91440" bIns="45720" numCol="1" spcCol="0" rtlCol="0" fromWordArt="0" anchor="ctr" anchorCtr="0" forceAA="0" compatLnSpc="1">
-            <a:prstTxWarp prst="textNoShape">
-              <a:avLst/>
-            </a:prstTxWarp>
-            <a:noAutofit/>
-          </a:bodyPr>
+          <a:bodyPr rtlCol="0" anchor="ctr"/>
           <a:lstStyle/>
           <a:p>
             <a:pPr algn="ctr"/>
